--- a/Phase 1 Presentation.pptx
+++ b/Phase 1 Presentation.pptx
@@ -275,7 +275,7 @@
           <a:p>
             <a:fld id="{64F0E216-BA48-4F04-AC4F-645AA0DD6AC6}" type="datetimeFigureOut">
               <a:rPr lang="en-US" smtClean="0"/>
-              <a:t>6/9/21</a:t>
+              <a:t>6/10/21</a:t>
             </a:fld>
             <a:endParaRPr lang="en-US" dirty="0"/>
           </a:p>
@@ -486,7 +486,7 @@
           <a:p>
             <a:fld id="{64F0E216-BA48-4F04-AC4F-645AA0DD6AC6}" type="datetimeFigureOut">
               <a:rPr lang="en-US" smtClean="0"/>
-              <a:t>6/9/21</a:t>
+              <a:t>6/10/21</a:t>
             </a:fld>
             <a:endParaRPr lang="en-US"/>
           </a:p>
@@ -701,7 +701,7 @@
           <a:p>
             <a:fld id="{64F0E216-BA48-4F04-AC4F-645AA0DD6AC6}" type="datetimeFigureOut">
               <a:rPr lang="en-US" smtClean="0"/>
-              <a:t>6/9/21</a:t>
+              <a:t>6/10/21</a:t>
             </a:fld>
             <a:endParaRPr lang="en-US"/>
           </a:p>
@@ -902,7 +902,7 @@
           <a:p>
             <a:fld id="{64F0E216-BA48-4F04-AC4F-645AA0DD6AC6}" type="datetimeFigureOut">
               <a:rPr lang="en-US" smtClean="0"/>
-              <a:t>6/9/21</a:t>
+              <a:t>6/10/21</a:t>
             </a:fld>
             <a:endParaRPr lang="en-US"/>
           </a:p>
@@ -1181,7 +1181,7 @@
           <a:p>
             <a:fld id="{64F0E216-BA48-4F04-AC4F-645AA0DD6AC6}" type="datetimeFigureOut">
               <a:rPr lang="en-US" smtClean="0"/>
-              <a:t>6/9/21</a:t>
+              <a:t>6/10/21</a:t>
             </a:fld>
             <a:endParaRPr lang="en-US"/>
           </a:p>
@@ -1449,7 +1449,7 @@
           <a:p>
             <a:fld id="{64F0E216-BA48-4F04-AC4F-645AA0DD6AC6}" type="datetimeFigureOut">
               <a:rPr lang="en-US" smtClean="0"/>
-              <a:t>6/9/21</a:t>
+              <a:t>6/10/21</a:t>
             </a:fld>
             <a:endParaRPr lang="en-US"/>
           </a:p>
@@ -1866,7 +1866,7 @@
             <a:fld id="{64F0E216-BA48-4F04-AC4F-645AA0DD6AC6}" type="datetimeFigureOut">
               <a:rPr lang="en-US" smtClean="0"/>
               <a:pPr/>
-              <a:t>6/9/21</a:t>
+              <a:t>6/10/21</a:t>
             </a:fld>
             <a:endParaRPr lang="en-US" dirty="0"/>
           </a:p>
@@ -2016,7 +2016,7 @@
           <a:p>
             <a:fld id="{64F0E216-BA48-4F04-AC4F-645AA0DD6AC6}" type="datetimeFigureOut">
               <a:rPr lang="en-US" smtClean="0"/>
-              <a:t>6/9/21</a:t>
+              <a:t>6/10/21</a:t>
             </a:fld>
             <a:endParaRPr lang="en-US"/>
           </a:p>
@@ -2142,7 +2142,7 @@
           <a:p>
             <a:fld id="{64F0E216-BA48-4F04-AC4F-645AA0DD6AC6}" type="datetimeFigureOut">
               <a:rPr lang="en-US" smtClean="0"/>
-              <a:t>6/9/21</a:t>
+              <a:t>6/10/21</a:t>
             </a:fld>
             <a:endParaRPr lang="en-US"/>
           </a:p>
@@ -2393,7 +2393,7 @@
           <a:p>
             <a:fld id="{64F0E216-BA48-4F04-AC4F-645AA0DD6AC6}" type="datetimeFigureOut">
               <a:rPr lang="en-US" smtClean="0"/>
-              <a:t>6/9/21</a:t>
+              <a:t>6/10/21</a:t>
             </a:fld>
             <a:endParaRPr lang="en-US"/>
           </a:p>
@@ -2839,7 +2839,7 @@
             <a:fld id="{64F0E216-BA48-4F04-AC4F-645AA0DD6AC6}" type="datetimeFigureOut">
               <a:rPr lang="en-US" smtClean="0"/>
               <a:pPr/>
-              <a:t>6/9/21</a:t>
+              <a:t>6/10/21</a:t>
             </a:fld>
             <a:endParaRPr lang="en-US" dirty="0"/>
           </a:p>
@@ -3168,7 +3168,7 @@
             <a:fld id="{64F0E216-BA48-4F04-AC4F-645AA0DD6AC6}" type="datetimeFigureOut">
               <a:rPr lang="en-US" smtClean="0"/>
               <a:pPr/>
-              <a:t>6/9/21</a:t>
+              <a:t>6/10/21</a:t>
             </a:fld>
             <a:endParaRPr lang="en-US" dirty="0"/>
           </a:p>
@@ -3850,6 +3850,55 @@
           </a:xfrm>
         </p:spPr>
       </p:pic>
+      <p:sp>
+        <p:nvSpPr>
+          <p:cNvPr id="4" name="TextBox 3">
+            <a:extLst>
+              <a:ext uri="{FF2B5EF4-FFF2-40B4-BE49-F238E27FC236}">
+                <a16:creationId xmlns:a16="http://schemas.microsoft.com/office/drawing/2014/main" id="{84AF3619-CCF2-B944-921A-3AA2B4ABB8EF}"/>
+              </a:ext>
+            </a:extLst>
+          </p:cNvPr>
+          <p:cNvSpPr txBox="1"/>
+          <p:nvPr/>
+        </p:nvSpPr>
+        <p:spPr>
+          <a:xfrm>
+            <a:off x="5403273" y="285008"/>
+            <a:ext cx="5651581" cy="646331"/>
+          </a:xfrm>
+          <a:prstGeom prst="rect">
+            <a:avLst/>
+          </a:prstGeom>
+          <a:noFill/>
+        </p:spPr>
+        <p:txBody>
+          <a:bodyPr wrap="square" rtlCol="0">
+            <a:spAutoFit/>
+          </a:bodyPr>
+          <a:lstStyle/>
+          <a:p>
+            <a:pPr marL="285750" indent="-285750">
+              <a:buFont typeface="Arial" panose="020B0604020202020204" pitchFamily="34" charset="0"/>
+              <a:buChar char="•"/>
+            </a:pPr>
+            <a:r>
+              <a:rPr lang="en-US" dirty="0"/>
+              <a:t>High budget (125+ mil)</a:t>
+            </a:r>
+          </a:p>
+          <a:p>
+            <a:pPr marL="285750" indent="-285750">
+              <a:buFont typeface="Arial" panose="020B0604020202020204" pitchFamily="34" charset="0"/>
+              <a:buChar char="•"/>
+            </a:pPr>
+            <a:r>
+              <a:rPr lang="en-US" dirty="0"/>
+              <a:t>Profit and Budget values in millions</a:t>
+            </a:r>
+          </a:p>
+        </p:txBody>
+      </p:sp>
     </p:spTree>
     <p:extLst>
       <p:ext uri="{BB962C8B-B14F-4D97-AF65-F5344CB8AC3E}">
@@ -3939,9 +3988,17 @@
           <a:lstStyle/>
           <a:p>
             <a:r>
-              <a:rPr lang="en-US"/>
-              <a:t>Data &amp; Methods</a:t>
-            </a:r>
+              <a:rPr lang="en-US" dirty="0"/>
+              <a:t>Data &amp; Methods </a:t>
+            </a:r>
+            <a:br>
+              <a:rPr lang="en-US" dirty="0"/>
+            </a:br>
+            <a:r>
+              <a:rPr lang="en-US" sz="2400" dirty="0"/>
+              <a:t>Low Budget (25-75mil)</a:t>
+            </a:r>
+            <a:endParaRPr lang="en-US" dirty="0"/>
           </a:p>
         </p:txBody>
       </p:sp>
@@ -3998,8 +4055,8 @@
         </p:blipFill>
         <p:spPr>
           <a:xfrm>
-            <a:off x="126470" y="1847905"/>
-            <a:ext cx="5674255" cy="4220477"/>
+            <a:off x="403761" y="2054152"/>
+            <a:ext cx="5396964" cy="4014230"/>
           </a:xfrm>
           <a:prstGeom prst="rect">
             <a:avLst/>
@@ -4037,8 +4094,8 @@
         </p:blipFill>
         <p:spPr>
           <a:xfrm>
-            <a:off x="5858410" y="1853754"/>
-            <a:ext cx="6207120" cy="4208778"/>
+            <a:off x="6077284" y="2002164"/>
+            <a:ext cx="5988245" cy="4060368"/>
           </a:xfrm>
           <a:prstGeom prst="rect">
             <a:avLst/>
@@ -4141,6 +4198,14 @@
               <a:rPr lang="en-US" dirty="0"/>
               <a:t>Data &amp; Methods</a:t>
             </a:r>
+            <a:br>
+              <a:rPr lang="en-US" sz="2400" dirty="0"/>
+            </a:br>
+            <a:r>
+              <a:rPr lang="en-US" sz="2400" dirty="0"/>
+              <a:t>Medium budget (75-125mil)</a:t>
+            </a:r>
+            <a:endParaRPr lang="en-US" dirty="0"/>
           </a:p>
         </p:txBody>
       </p:sp>
@@ -4256,8 +4321,16 @@
           <a:p>
             <a:r>
               <a:rPr lang="en-US" dirty="0"/>
-              <a:t>Data &amp; Methods</a:t>
-            </a:r>
+              <a:t>Data &amp; Methods </a:t>
+            </a:r>
+            <a:br>
+              <a:rPr lang="en-US" dirty="0"/>
+            </a:br>
+            <a:r>
+              <a:rPr lang="en-US" sz="2400" dirty="0"/>
+              <a:t>High budget (125mil+)</a:t>
+            </a:r>
+            <a:endParaRPr lang="en-US" dirty="0"/>
           </a:p>
         </p:txBody>
       </p:sp>
@@ -4369,12 +4442,18 @@
           <a:bodyPr/>
           <a:lstStyle/>
           <a:p>
+            <a:pPr>
+              <a:buClrTx/>
+            </a:pPr>
             <a:r>
               <a:rPr lang="en-US" dirty="0"/>
               <a:t>Based on our data, if you want to make a lower budget movie, a romance comedy film is going to be your best bet. </a:t>
             </a:r>
           </a:p>
           <a:p>
+            <a:pPr>
+              <a:buClrTx/>
+            </a:pPr>
             <a:r>
               <a:rPr lang="en-US" dirty="0"/>
               <a:t>For a more mid-range budget movie, an action-</a:t>
@@ -4389,6 +4468,9 @@
             </a:r>
           </a:p>
           <a:p>
+            <a:pPr>
+              <a:buClrTx/>
+            </a:pPr>
             <a:r>
               <a:rPr lang="en-US" dirty="0"/>
               <a:t>Lastly, if you wanted a higher budget movie, animation is the direction you should take. </a:t>
@@ -4475,6 +4557,9 @@
           <a:bodyPr/>
           <a:lstStyle/>
           <a:p>
+            <a:pPr>
+              <a:buClrTx/>
+            </a:pPr>
             <a:r>
               <a:rPr lang="en-US" dirty="0"/>
               <a:t>With our suggestions, we are confident you can could produce a profitable and successful movie in your desired budget range. </a:t>
@@ -4609,8 +4694,11 @@
               <a:buClrTx/>
             </a:pPr>
             <a:r>
-              <a:rPr lang="en-US" dirty="0"/>
-              <a:t>We analyzed movie review data given to us, so we had an idea of what a successful and not successful movie is. </a:t>
+              <a:rPr lang="en-US" dirty="0">
+                <a:ea typeface="+mn-lt"/>
+                <a:cs typeface="+mn-lt"/>
+              </a:rPr>
+              <a:t>We defined success as profit. </a:t>
             </a:r>
           </a:p>
           <a:p>
@@ -4778,33 +4866,54 @@
           <a:bodyPr/>
           <a:lstStyle/>
           <a:p>
+            <a:pPr>
+              <a:buClrTx/>
+            </a:pPr>
             <a:r>
               <a:rPr lang="en-US" dirty="0"/>
               <a:t>Business Problem</a:t>
             </a:r>
           </a:p>
           <a:p>
+            <a:pPr>
+              <a:buClrTx/>
+            </a:pPr>
             <a:endParaRPr lang="en-US" dirty="0"/>
           </a:p>
           <a:p>
+            <a:pPr>
+              <a:buClrTx/>
+            </a:pPr>
             <a:r>
               <a:rPr lang="en-US" dirty="0"/>
               <a:t>Data &amp; Methods</a:t>
             </a:r>
           </a:p>
           <a:p>
+            <a:pPr>
+              <a:buClrTx/>
+            </a:pPr>
             <a:endParaRPr lang="en-US" dirty="0"/>
           </a:p>
           <a:p>
+            <a:pPr>
+              <a:buClrTx/>
+            </a:pPr>
             <a:r>
               <a:rPr lang="en-US" dirty="0"/>
               <a:t>Results</a:t>
             </a:r>
           </a:p>
           <a:p>
+            <a:pPr>
+              <a:buClrTx/>
+            </a:pPr>
             <a:endParaRPr lang="en-US" dirty="0"/>
           </a:p>
           <a:p>
+            <a:pPr>
+              <a:buClrTx/>
+            </a:pPr>
             <a:r>
               <a:rPr lang="en-US" dirty="0"/>
               <a:t>Conclusions</a:t>
@@ -4935,9 +5044,11 @@
           </a:bodyPr>
           <a:lstStyle/>
           <a:p>
-            <a:pPr marL="359410" indent="-359410"/>
-            <a:r>
-              <a:rPr lang="en-US" sz="2000">
+            <a:pPr marL="359410" indent="-359410">
+              <a:buClrTx/>
+            </a:pPr>
+            <a:r>
+              <a:rPr lang="en-US" sz="2000" dirty="0">
                 <a:ea typeface="+mn-lt"/>
                 <a:cs typeface="+mn-lt"/>
               </a:rPr>
@@ -4945,33 +5056,11 @@
             </a:r>
           </a:p>
           <a:p>
-            <a:pPr marL="359410" indent="-359410"/>
-            <a:endParaRPr lang="en-US" sz="2000">
-              <a:ea typeface="+mn-lt"/>
-              <a:cs typeface="+mn-lt"/>
-            </a:endParaRPr>
-          </a:p>
-          <a:p>
-            <a:pPr marL="359410" indent="-359410"/>
-            <a:r>
-              <a:rPr lang="en-US" sz="2000">
-                <a:ea typeface="+mn-lt"/>
-                <a:cs typeface="+mn-lt"/>
-              </a:rPr>
-              <a:t>They are not well voiced in the realm of movie production </a:t>
-            </a:r>
-          </a:p>
-          <a:p>
-            <a:pPr marL="359410" indent="-359410"/>
-            <a:endParaRPr lang="en-US" sz="2000">
-              <a:ea typeface="+mn-lt"/>
-              <a:cs typeface="+mn-lt"/>
-            </a:endParaRPr>
-          </a:p>
-          <a:p>
-            <a:pPr marL="359410" indent="-359410"/>
-            <a:r>
-              <a:rPr lang="en-US" sz="2000">
+            <a:pPr marL="359410" indent="-359410">
+              <a:buClrTx/>
+            </a:pPr>
+            <a:r>
+              <a:rPr lang="en-US" sz="2000" dirty="0">
                 <a:ea typeface="+mn-lt"/>
                 <a:cs typeface="+mn-lt"/>
               </a:rPr>
@@ -4979,8 +5068,56 @@
             </a:r>
           </a:p>
           <a:p>
+            <a:pPr marL="359410" indent="-359410">
+              <a:buClrTx/>
+            </a:pPr>
+            <a:r>
+              <a:rPr lang="en-US" dirty="0">
+                <a:ea typeface="+mn-lt"/>
+                <a:cs typeface="+mn-lt"/>
+              </a:rPr>
+              <a:t>We created three budget ranges: </a:t>
+            </a:r>
+          </a:p>
+          <a:p>
+            <a:pPr marL="816610" lvl="1" indent="-359410">
+              <a:buClrTx/>
+            </a:pPr>
+            <a:r>
+              <a:rPr lang="en-US" dirty="0">
+                <a:ea typeface="+mn-lt"/>
+                <a:cs typeface="+mn-lt"/>
+              </a:rPr>
+              <a:t>Low (25-75mil)</a:t>
+            </a:r>
+          </a:p>
+          <a:p>
+            <a:pPr marL="816610" lvl="1" indent="-359410">
+              <a:buClrTx/>
+            </a:pPr>
+            <a:r>
+              <a:rPr lang="en-US" dirty="0">
+                <a:ea typeface="+mn-lt"/>
+                <a:cs typeface="+mn-lt"/>
+              </a:rPr>
+              <a:t>Medium (75-125mil)</a:t>
+            </a:r>
+          </a:p>
+          <a:p>
+            <a:pPr marL="816610" lvl="1" indent="-359410">
+              <a:buClrTx/>
+            </a:pPr>
+            <a:r>
+              <a:rPr lang="en-US" dirty="0">
+                <a:ea typeface="+mn-lt"/>
+                <a:cs typeface="+mn-lt"/>
+              </a:rPr>
+              <a:t>High (125mil+)</a:t>
+            </a:r>
+          </a:p>
+          <a:p>
             <a:pPr marL="359410" indent="-359410"/>
-            <a:endParaRPr lang="en-US" sz="2000">
+            <a:endParaRPr lang="en-US" sz="2000" dirty="0">
               <a:ea typeface="+mn-lt"/>
               <a:cs typeface="+mn-lt"/>
             </a:endParaRPr>
@@ -5103,10 +5240,10 @@
       </p:sp>
       <p:pic>
         <p:nvPicPr>
-          <p:cNvPr id="9" name="Picture 9" descr="Chart, bar chart&#10;&#10;Description automatically generated">
+          <p:cNvPr id="6" name="Content Placeholder 5" descr="Chart&#10;&#10;Description automatically generated">
             <a:extLst>
               <a:ext uri="{FF2B5EF4-FFF2-40B4-BE49-F238E27FC236}">
-                <a16:creationId xmlns:a16="http://schemas.microsoft.com/office/drawing/2014/main" id="{A6F600F5-6696-4398-B149-16ED09C9498D}"/>
+                <a16:creationId xmlns:a16="http://schemas.microsoft.com/office/drawing/2014/main" id="{5C63349E-7435-7340-80AE-F5B0E31A0C61}"/>
               </a:ext>
             </a:extLst>
           </p:cNvPr>
@@ -5125,8 +5262,8 @@
         </p:blipFill>
         <p:spPr>
           <a:xfrm>
-            <a:off x="2505424" y="2015732"/>
-            <a:ext cx="8070680" cy="4111970"/>
+            <a:off x="1829960" y="1946753"/>
+            <a:ext cx="8532079" cy="4225481"/>
           </a:xfrm>
         </p:spPr>
       </p:pic>
@@ -5190,10 +5327,10 @@
       </p:sp>
       <p:pic>
         <p:nvPicPr>
-          <p:cNvPr id="5" name="Picture 6" descr="Chart, bar chart&#10;&#10;Description automatically generated">
+          <p:cNvPr id="7" name="Content Placeholder 6" descr="Chart, bar chart&#10;&#10;Description automatically generated">
             <a:extLst>
               <a:ext uri="{FF2B5EF4-FFF2-40B4-BE49-F238E27FC236}">
-                <a16:creationId xmlns:a16="http://schemas.microsoft.com/office/drawing/2014/main" id="{3D1D4874-093B-4EF9-8888-3BD073801A27}"/>
+                <a16:creationId xmlns:a16="http://schemas.microsoft.com/office/drawing/2014/main" id="{29816ECC-44F8-0E45-A6E6-E72973E768E8}"/>
               </a:ext>
             </a:extLst>
           </p:cNvPr>
@@ -5212,8 +5349,8 @@
         </p:blipFill>
         <p:spPr>
           <a:xfrm>
-            <a:off x="2434721" y="2015732"/>
-            <a:ext cx="8025179" cy="4040084"/>
+            <a:off x="1658066" y="2073405"/>
+            <a:ext cx="8875867" cy="3948658"/>
           </a:xfrm>
         </p:spPr>
       </p:pic>
@@ -5607,6 +5744,18 @@
           </a:bodyPr>
           <a:lstStyle/>
           <a:p>
+            <a:pPr>
+              <a:buClrTx/>
+            </a:pPr>
+            <a:r>
+              <a:rPr lang="en-US" dirty="0"/>
+              <a:t>Average budget and revenue per genre</a:t>
+            </a:r>
+          </a:p>
+          <a:p>
+            <a:pPr marL="0" indent="0">
+              <a:buNone/>
+            </a:pPr>
             <a:endParaRPr lang="en-US" dirty="0"/>
           </a:p>
         </p:txBody>
@@ -5667,10 +5816,10 @@
       </p:grpSpPr>
       <p:sp useBgFill="1">
         <p:nvSpPr>
-          <p:cNvPr id="12" name="Rectangle 11">
+          <p:cNvPr id="27" name="Rectangle 26">
             <a:extLst>
               <a:ext uri="{FF2B5EF4-FFF2-40B4-BE49-F238E27FC236}">
-                <a16:creationId xmlns:a16="http://schemas.microsoft.com/office/drawing/2014/main" id="{C3A44A18-DAB9-46A6-8454-3A0898CDB504}"/>
+                <a16:creationId xmlns:a16="http://schemas.microsoft.com/office/drawing/2014/main" id="{742C14A9-3617-46DD-9FC4-ED828A7D3E6F}"/>
               </a:ext>
               <a:ext uri="{C183D7F6-B498-43B3-948B-1728B52AA6E4}">
                 <adec:decorative xmlns:adec="http://schemas.microsoft.com/office/drawing/2017/decorative" val="1"/>
@@ -5725,12 +5874,95 @@
           </a:p>
         </p:txBody>
       </p:sp>
-      <p:sp>
-        <p:nvSpPr>
-          <p:cNvPr id="14" name="Rectangle 13">
+      <p:cxnSp>
+        <p:nvCxnSpPr>
+          <p:cNvPr id="29" name="Straight Connector 28">
             <a:extLst>
               <a:ext uri="{FF2B5EF4-FFF2-40B4-BE49-F238E27FC236}">
-                <a16:creationId xmlns:a16="http://schemas.microsoft.com/office/drawing/2014/main" id="{705841ED-BA63-4F25-B31B-A4692716FB80}"/>
+                <a16:creationId xmlns:a16="http://schemas.microsoft.com/office/drawing/2014/main" id="{19AB0109-1C89-41F0-9EDF-3DE017BE3F27}"/>
+              </a:ext>
+              <a:ext uri="{C183D7F6-B498-43B3-948B-1728B52AA6E4}">
+                <adec:decorative xmlns:adec="http://schemas.microsoft.com/office/drawing/2017/decorative" val="1"/>
+              </a:ext>
+            </a:extLst>
+          </p:cNvPr>
+          <p:cNvCxnSpPr>
+            <a:cxnSpLocks noGrp="1" noRot="1" noChangeAspect="1" noMove="1" noResize="1" noEditPoints="1" noAdjustHandles="1" noChangeArrowheads="1" noChangeShapeType="1"/>
+          </p:cNvCxnSpPr>
+          <p:nvPr>
+            <p:extLst>
+              <p:ext uri="{386F3935-93C4-4BCD-93E2-E3B085C9AB24}">
+                <p16:designElem xmlns:p16="http://schemas.microsoft.com/office/powerpoint/2015/main" val="1"/>
+              </p:ext>
+            </p:extLst>
+          </p:nvPr>
+        </p:nvCxnSpPr>
+        <p:spPr>
+          <a:xfrm>
+            <a:off x="1453897" y="1847088"/>
+            <a:ext cx="5548039" cy="0"/>
+          </a:xfrm>
+          <a:prstGeom prst="line">
+            <a:avLst/>
+          </a:prstGeom>
+          <a:ln w="31750"/>
+        </p:spPr>
+        <p:style>
+          <a:lnRef idx="3">
+            <a:schemeClr val="accent1"/>
+          </a:lnRef>
+          <a:fillRef idx="0">
+            <a:schemeClr val="accent1"/>
+          </a:fillRef>
+          <a:effectRef idx="2">
+            <a:schemeClr val="accent1"/>
+          </a:effectRef>
+          <a:fontRef idx="minor">
+            <a:schemeClr val="tx1"/>
+          </a:fontRef>
+        </p:style>
+      </p:cxnSp>
+      <p:sp>
+        <p:nvSpPr>
+          <p:cNvPr id="2" name="Title 1">
+            <a:extLst>
+              <a:ext uri="{FF2B5EF4-FFF2-40B4-BE49-F238E27FC236}">
+                <a16:creationId xmlns:a16="http://schemas.microsoft.com/office/drawing/2014/main" id="{751BF743-421F-2C4C-8942-4B1204B78959}"/>
+              </a:ext>
+            </a:extLst>
+          </p:cNvPr>
+          <p:cNvSpPr>
+            <a:spLocks noGrp="1"/>
+          </p:cNvSpPr>
+          <p:nvPr>
+            <p:ph type="title"/>
+          </p:nvPr>
+        </p:nvSpPr>
+        <p:spPr>
+          <a:xfrm>
+            <a:off x="1451579" y="804519"/>
+            <a:ext cx="5550357" cy="1049235"/>
+          </a:xfrm>
+        </p:spPr>
+        <p:txBody>
+          <a:bodyPr>
+            <a:normAutofit/>
+          </a:bodyPr>
+          <a:lstStyle/>
+          <a:p>
+            <a:r>
+              <a:rPr lang="en-US" dirty="0"/>
+              <a:t>Data &amp; methods</a:t>
+            </a:r>
+          </a:p>
+        </p:txBody>
+      </p:sp>
+      <p:sp>
+        <p:nvSpPr>
+          <p:cNvPr id="31" name="Rectangle 30">
+            <a:extLst>
+              <a:ext uri="{FF2B5EF4-FFF2-40B4-BE49-F238E27FC236}">
+                <a16:creationId xmlns:a16="http://schemas.microsoft.com/office/drawing/2014/main" id="{19E5CB6C-D5A1-44AB-BAD0-E76C67ED2802}"/>
               </a:ext>
               <a:ext uri="{C183D7F6-B498-43B3-948B-1728B52AA6E4}">
                 <adec:decorative xmlns:adec="http://schemas.microsoft.com/office/drawing/2017/decorative" val="1"/>
@@ -5799,85 +6031,49 @@
           </a:p>
         </p:txBody>
       </p:sp>
-      <p:cxnSp>
-        <p:nvCxnSpPr>
-          <p:cNvPr id="16" name="Straight Connector 15">
+      <p:sp>
+        <p:nvSpPr>
+          <p:cNvPr id="24" name="Content Placeholder 23">
             <a:extLst>
               <a:ext uri="{FF2B5EF4-FFF2-40B4-BE49-F238E27FC236}">
-                <a16:creationId xmlns:a16="http://schemas.microsoft.com/office/drawing/2014/main" id="{602FDDEF-350D-4767-ACB6-CCEA68DD4221}"/>
-              </a:ext>
-              <a:ext uri="{C183D7F6-B498-43B3-948B-1728B52AA6E4}">
-                <adec:decorative xmlns:adec="http://schemas.microsoft.com/office/drawing/2017/decorative" val="1"/>
+                <a16:creationId xmlns:a16="http://schemas.microsoft.com/office/drawing/2014/main" id="{22407B2A-95B9-494A-84C7-23A13F57E572}"/>
               </a:ext>
             </a:extLst>
           </p:cNvPr>
-          <p:cNvCxnSpPr>
-            <a:cxnSpLocks noGrp="1" noRot="1" noChangeAspect="1" noMove="1" noResize="1" noEditPoints="1" noAdjustHandles="1" noChangeArrowheads="1" noChangeShapeType="1"/>
-          </p:cNvCxnSpPr>
-          <p:nvPr>
-            <p:extLst>
-              <p:ext uri="{386F3935-93C4-4BCD-93E2-E3B085C9AB24}">
-                <p16:designElem xmlns:p16="http://schemas.microsoft.com/office/powerpoint/2015/main" val="1"/>
-              </p:ext>
-            </p:extLst>
-          </p:nvPr>
-        </p:nvCxnSpPr>
-        <p:spPr>
-          <a:xfrm>
-            <a:off x="1451579" y="4183161"/>
-            <a:ext cx="3272094" cy="0"/>
-          </a:xfrm>
-          <a:prstGeom prst="line">
-            <a:avLst/>
-          </a:prstGeom>
-          <a:ln w="31750"/>
-        </p:spPr>
-        <p:style>
-          <a:lnRef idx="3">
-            <a:schemeClr val="accent1"/>
-          </a:lnRef>
-          <a:fillRef idx="0">
-            <a:schemeClr val="accent1"/>
-          </a:fillRef>
-          <a:effectRef idx="2">
-            <a:schemeClr val="accent1"/>
-          </a:effectRef>
-          <a:fontRef idx="minor">
-            <a:schemeClr val="tx1"/>
-          </a:fontRef>
-        </p:style>
-      </p:cxnSp>
-      <p:sp>
-        <p:nvSpPr>
-          <p:cNvPr id="2" name="Title 1">
-            <a:extLst>
-              <a:ext uri="{FF2B5EF4-FFF2-40B4-BE49-F238E27FC236}">
-                <a16:creationId xmlns:a16="http://schemas.microsoft.com/office/drawing/2014/main" id="{751BF743-421F-2C4C-8942-4B1204B78959}"/>
-              </a:ext>
-            </a:extLst>
-          </p:cNvPr>
-          <p:cNvSpPr>
-            <a:spLocks noGrp="1"/>
-          </p:cNvSpPr>
-          <p:nvPr>
-            <p:ph type="title"/>
-          </p:nvPr>
-        </p:nvSpPr>
-        <p:spPr>
-          <a:xfrm>
-            <a:off x="1451581" y="2082800"/>
-            <a:ext cx="3272094" cy="2085578"/>
-          </a:xfrm>
-        </p:spPr>
-        <p:txBody>
-          <a:bodyPr anchor="b">
+          <p:cNvSpPr>
+            <a:spLocks noGrp="1"/>
+          </p:cNvSpPr>
+          <p:nvPr>
+            <p:ph idx="1"/>
+          </p:nvPr>
+        </p:nvSpPr>
+        <p:spPr>
+          <a:xfrm>
+            <a:off x="1451579" y="2015732"/>
+            <a:ext cx="5550357" cy="3450613"/>
+          </a:xfrm>
+        </p:spPr>
+        <p:txBody>
+          <a:bodyPr>
             <a:normAutofit/>
           </a:bodyPr>
           <a:lstStyle/>
           <a:p>
+            <a:pPr>
+              <a:buClrTx/>
+            </a:pPr>
             <a:r>
               <a:rPr lang="en-US" dirty="0"/>
-              <a:t>Data &amp; methods</a:t>
+              <a:t>Low budget (25-75 mil)</a:t>
+            </a:r>
+          </a:p>
+          <a:p>
+            <a:pPr>
+              <a:buClrTx/>
+            </a:pPr>
+            <a:r>
+              <a:rPr lang="en-US" dirty="0"/>
+              <a:t>Budget and Profit values in millions</a:t>
             </a:r>
           </a:p>
         </p:txBody>
@@ -5892,11 +6088,9 @@
             </a:extLst>
           </p:cNvPr>
           <p:cNvPicPr>
-            <a:picLocks noGrp="1" noChangeAspect="1"/>
+            <a:picLocks noChangeAspect="1"/>
           </p:cNvPicPr>
-          <p:nvPr>
-            <p:ph idx="1"/>
-          </p:nvPr>
+          <p:nvPr/>
         </p:nvPicPr>
         <p:blipFill>
           <a:blip r:embed="rId2"/>
@@ -5906,9 +6100,12 @@
         </p:blipFill>
         <p:spPr>
           <a:xfrm>
-            <a:off x="5715338" y="123671"/>
-            <a:ext cx="6309183" cy="2888541"/>
-          </a:xfrm>
+            <a:off x="5622521" y="105477"/>
+            <a:ext cx="6450415" cy="2951064"/>
+          </a:xfrm>
+          <a:prstGeom prst="rect">
+            <a:avLst/>
+          </a:prstGeom>
         </p:spPr>
       </p:pic>
       <p:pic>
@@ -5933,8 +6130,8 @@
         </p:blipFill>
         <p:spPr>
           <a:xfrm>
-            <a:off x="5715337" y="3125589"/>
-            <a:ext cx="6309184" cy="2886451"/>
+            <a:off x="5622520" y="3090248"/>
+            <a:ext cx="6450415" cy="2951064"/>
           </a:xfrm>
           <a:prstGeom prst="rect">
             <a:avLst/>
@@ -5943,10 +6140,10 @@
       </p:pic>
       <p:pic>
         <p:nvPicPr>
-          <p:cNvPr id="18" name="Picture 17">
+          <p:cNvPr id="33" name="Picture 32">
             <a:extLst>
               <a:ext uri="{FF2B5EF4-FFF2-40B4-BE49-F238E27FC236}">
-                <a16:creationId xmlns:a16="http://schemas.microsoft.com/office/drawing/2014/main" id="{2E465D32-A51E-44CE-9D04-60690BB4144F}"/>
+                <a16:creationId xmlns:a16="http://schemas.microsoft.com/office/drawing/2014/main" id="{D5A16967-5C32-4A48-9F02-4F0228AC8DBA}"/>
               </a:ext>
               <a:ext uri="{C183D7F6-B498-43B3-948B-1728B52AA6E4}">
                 <adec:decorative xmlns:adec="http://schemas.microsoft.com/office/drawing/2017/decorative" val="1"/>
@@ -5987,10 +6184,10 @@
       </p:pic>
       <p:cxnSp>
         <p:nvCxnSpPr>
-          <p:cNvPr id="20" name="Straight Connector 19">
+          <p:cNvPr id="35" name="Straight Connector 34">
             <a:extLst>
               <a:ext uri="{FF2B5EF4-FFF2-40B4-BE49-F238E27FC236}">
-                <a16:creationId xmlns:a16="http://schemas.microsoft.com/office/drawing/2014/main" id="{DAF243D8-8E9E-4B55-8369-B6A7221E55D8}"/>
+                <a16:creationId xmlns:a16="http://schemas.microsoft.com/office/drawing/2014/main" id="{942D078B-EF20-4DB1-AA1B-87F212C56A9A}"/>
               </a:ext>
               <a:ext uri="{C183D7F6-B498-43B3-948B-1728B52AA6E4}">
                 <adec:decorative xmlns:adec="http://schemas.microsoft.com/office/drawing/2017/decorative" val="1"/>
@@ -6095,10 +6292,10 @@
       </p:grpSpPr>
       <p:sp useBgFill="1">
         <p:nvSpPr>
-          <p:cNvPr id="12" name="Rectangle 11">
+          <p:cNvPr id="27" name="Rectangle 26">
             <a:extLst>
               <a:ext uri="{FF2B5EF4-FFF2-40B4-BE49-F238E27FC236}">
-                <a16:creationId xmlns:a16="http://schemas.microsoft.com/office/drawing/2014/main" id="{C3A44A18-DAB9-46A6-8454-3A0898CDB504}"/>
+                <a16:creationId xmlns:a16="http://schemas.microsoft.com/office/drawing/2014/main" id="{742C14A9-3617-46DD-9FC4-ED828A7D3E6F}"/>
               </a:ext>
               <a:ext uri="{C183D7F6-B498-43B3-948B-1728B52AA6E4}">
                 <adec:decorative xmlns:adec="http://schemas.microsoft.com/office/drawing/2017/decorative" val="1"/>
@@ -6153,12 +6350,95 @@
           </a:p>
         </p:txBody>
       </p:sp>
-      <p:sp>
-        <p:nvSpPr>
-          <p:cNvPr id="14" name="Rectangle 13">
+      <p:cxnSp>
+        <p:nvCxnSpPr>
+          <p:cNvPr id="29" name="Straight Connector 28">
             <a:extLst>
               <a:ext uri="{FF2B5EF4-FFF2-40B4-BE49-F238E27FC236}">
-                <a16:creationId xmlns:a16="http://schemas.microsoft.com/office/drawing/2014/main" id="{705841ED-BA63-4F25-B31B-A4692716FB80}"/>
+                <a16:creationId xmlns:a16="http://schemas.microsoft.com/office/drawing/2014/main" id="{19AB0109-1C89-41F0-9EDF-3DE017BE3F27}"/>
+              </a:ext>
+              <a:ext uri="{C183D7F6-B498-43B3-948B-1728B52AA6E4}">
+                <adec:decorative xmlns:adec="http://schemas.microsoft.com/office/drawing/2017/decorative" val="1"/>
+              </a:ext>
+            </a:extLst>
+          </p:cNvPr>
+          <p:cNvCxnSpPr>
+            <a:cxnSpLocks noGrp="1" noRot="1" noChangeAspect="1" noMove="1" noResize="1" noEditPoints="1" noAdjustHandles="1" noChangeArrowheads="1" noChangeShapeType="1"/>
+          </p:cNvCxnSpPr>
+          <p:nvPr>
+            <p:extLst>
+              <p:ext uri="{386F3935-93C4-4BCD-93E2-E3B085C9AB24}">
+                <p16:designElem xmlns:p16="http://schemas.microsoft.com/office/powerpoint/2015/main" val="1"/>
+              </p:ext>
+            </p:extLst>
+          </p:nvPr>
+        </p:nvCxnSpPr>
+        <p:spPr>
+          <a:xfrm>
+            <a:off x="1453897" y="1847088"/>
+            <a:ext cx="5548039" cy="0"/>
+          </a:xfrm>
+          <a:prstGeom prst="line">
+            <a:avLst/>
+          </a:prstGeom>
+          <a:ln w="31750"/>
+        </p:spPr>
+        <p:style>
+          <a:lnRef idx="3">
+            <a:schemeClr val="accent1"/>
+          </a:lnRef>
+          <a:fillRef idx="0">
+            <a:schemeClr val="accent1"/>
+          </a:fillRef>
+          <a:effectRef idx="2">
+            <a:schemeClr val="accent1"/>
+          </a:effectRef>
+          <a:fontRef idx="minor">
+            <a:schemeClr val="tx1"/>
+          </a:fontRef>
+        </p:style>
+      </p:cxnSp>
+      <p:sp>
+        <p:nvSpPr>
+          <p:cNvPr id="2" name="Title 1">
+            <a:extLst>
+              <a:ext uri="{FF2B5EF4-FFF2-40B4-BE49-F238E27FC236}">
+                <a16:creationId xmlns:a16="http://schemas.microsoft.com/office/drawing/2014/main" id="{62AB6A92-9F42-1B48-AA41-B7EDAD5367E9}"/>
+              </a:ext>
+            </a:extLst>
+          </p:cNvPr>
+          <p:cNvSpPr>
+            <a:spLocks noGrp="1"/>
+          </p:cNvSpPr>
+          <p:nvPr>
+            <p:ph type="title"/>
+          </p:nvPr>
+        </p:nvSpPr>
+        <p:spPr>
+          <a:xfrm>
+            <a:off x="1451579" y="804519"/>
+            <a:ext cx="5550357" cy="1049235"/>
+          </a:xfrm>
+        </p:spPr>
+        <p:txBody>
+          <a:bodyPr>
+            <a:normAutofit/>
+          </a:bodyPr>
+          <a:lstStyle/>
+          <a:p>
+            <a:r>
+              <a:rPr lang="en-US" dirty="0"/>
+              <a:t>Data &amp; methods</a:t>
+            </a:r>
+          </a:p>
+        </p:txBody>
+      </p:sp>
+      <p:sp>
+        <p:nvSpPr>
+          <p:cNvPr id="31" name="Rectangle 30">
+            <a:extLst>
+              <a:ext uri="{FF2B5EF4-FFF2-40B4-BE49-F238E27FC236}">
+                <a16:creationId xmlns:a16="http://schemas.microsoft.com/office/drawing/2014/main" id="{19E5CB6C-D5A1-44AB-BAD0-E76C67ED2802}"/>
               </a:ext>
               <a:ext uri="{C183D7F6-B498-43B3-948B-1728B52AA6E4}">
                 <adec:decorative xmlns:adec="http://schemas.microsoft.com/office/drawing/2017/decorative" val="1"/>
@@ -6227,85 +6507,49 @@
           </a:p>
         </p:txBody>
       </p:sp>
-      <p:cxnSp>
-        <p:nvCxnSpPr>
-          <p:cNvPr id="16" name="Straight Connector 15">
+      <p:sp>
+        <p:nvSpPr>
+          <p:cNvPr id="24" name="Content Placeholder 23">
             <a:extLst>
               <a:ext uri="{FF2B5EF4-FFF2-40B4-BE49-F238E27FC236}">
-                <a16:creationId xmlns:a16="http://schemas.microsoft.com/office/drawing/2014/main" id="{602FDDEF-350D-4767-ACB6-CCEA68DD4221}"/>
-              </a:ext>
-              <a:ext uri="{C183D7F6-B498-43B3-948B-1728B52AA6E4}">
-                <adec:decorative xmlns:adec="http://schemas.microsoft.com/office/drawing/2017/decorative" val="1"/>
+                <a16:creationId xmlns:a16="http://schemas.microsoft.com/office/drawing/2014/main" id="{8AE1B195-CD8B-4619-B6F7-0631899C5DFD}"/>
               </a:ext>
             </a:extLst>
           </p:cNvPr>
-          <p:cNvCxnSpPr>
-            <a:cxnSpLocks noGrp="1" noRot="1" noChangeAspect="1" noMove="1" noResize="1" noEditPoints="1" noAdjustHandles="1" noChangeArrowheads="1" noChangeShapeType="1"/>
-          </p:cNvCxnSpPr>
-          <p:nvPr>
-            <p:extLst>
-              <p:ext uri="{386F3935-93C4-4BCD-93E2-E3B085C9AB24}">
-                <p16:designElem xmlns:p16="http://schemas.microsoft.com/office/powerpoint/2015/main" val="1"/>
-              </p:ext>
-            </p:extLst>
-          </p:nvPr>
-        </p:nvCxnSpPr>
-        <p:spPr>
-          <a:xfrm>
-            <a:off x="1451579" y="4183161"/>
-            <a:ext cx="3272094" cy="0"/>
-          </a:xfrm>
-          <a:prstGeom prst="line">
-            <a:avLst/>
-          </a:prstGeom>
-          <a:ln w="31750"/>
-        </p:spPr>
-        <p:style>
-          <a:lnRef idx="3">
-            <a:schemeClr val="accent1"/>
-          </a:lnRef>
-          <a:fillRef idx="0">
-            <a:schemeClr val="accent1"/>
-          </a:fillRef>
-          <a:effectRef idx="2">
-            <a:schemeClr val="accent1"/>
-          </a:effectRef>
-          <a:fontRef idx="minor">
-            <a:schemeClr val="tx1"/>
-          </a:fontRef>
-        </p:style>
-      </p:cxnSp>
-      <p:sp>
-        <p:nvSpPr>
-          <p:cNvPr id="2" name="Title 1">
-            <a:extLst>
-              <a:ext uri="{FF2B5EF4-FFF2-40B4-BE49-F238E27FC236}">
-                <a16:creationId xmlns:a16="http://schemas.microsoft.com/office/drawing/2014/main" id="{62AB6A92-9F42-1B48-AA41-B7EDAD5367E9}"/>
-              </a:ext>
-            </a:extLst>
-          </p:cNvPr>
-          <p:cNvSpPr>
-            <a:spLocks noGrp="1"/>
-          </p:cNvSpPr>
-          <p:nvPr>
-            <p:ph type="title"/>
-          </p:nvPr>
-        </p:nvSpPr>
-        <p:spPr>
-          <a:xfrm>
-            <a:off x="1451581" y="2082800"/>
-            <a:ext cx="3272094" cy="2085578"/>
-          </a:xfrm>
-        </p:spPr>
-        <p:txBody>
-          <a:bodyPr anchor="b">
+          <p:cNvSpPr>
+            <a:spLocks noGrp="1"/>
+          </p:cNvSpPr>
+          <p:nvPr>
+            <p:ph idx="1"/>
+          </p:nvPr>
+        </p:nvSpPr>
+        <p:spPr>
+          <a:xfrm>
+            <a:off x="1451579" y="2015732"/>
+            <a:ext cx="5550357" cy="3450613"/>
+          </a:xfrm>
+        </p:spPr>
+        <p:txBody>
+          <a:bodyPr>
             <a:normAutofit/>
           </a:bodyPr>
           <a:lstStyle/>
           <a:p>
+            <a:pPr>
+              <a:buClrTx/>
+            </a:pPr>
             <a:r>
               <a:rPr lang="en-US" dirty="0"/>
-              <a:t>Data &amp; methods</a:t>
+              <a:t>Medium budget (75-125 mil)</a:t>
+            </a:r>
+          </a:p>
+          <a:p>
+            <a:pPr>
+              <a:buClrTx/>
+            </a:pPr>
+            <a:r>
+              <a:rPr lang="en-US" dirty="0"/>
+              <a:t>Budget and Profit values in millions</a:t>
             </a:r>
           </a:p>
         </p:txBody>
@@ -6320,11 +6564,9 @@
             </a:extLst>
           </p:cNvPr>
           <p:cNvPicPr>
-            <a:picLocks noGrp="1" noChangeAspect="1"/>
+            <a:picLocks noChangeAspect="1"/>
           </p:cNvPicPr>
-          <p:nvPr>
-            <p:ph idx="1"/>
-          </p:nvPr>
+          <p:nvPr/>
         </p:nvPicPr>
         <p:blipFill>
           <a:blip r:embed="rId2"/>
@@ -6334,9 +6576,12 @@
         </p:blipFill>
         <p:spPr>
           <a:xfrm>
-            <a:off x="5833640" y="82618"/>
-            <a:ext cx="6208886" cy="2864585"/>
-          </a:xfrm>
+            <a:off x="5655260" y="68728"/>
+            <a:ext cx="6472903" cy="2993716"/>
+          </a:xfrm>
+          <a:prstGeom prst="rect">
+            <a:avLst/>
+          </a:prstGeom>
         </p:spPr>
       </p:pic>
       <p:pic>
@@ -6361,8 +6606,8 @@
         </p:blipFill>
         <p:spPr>
           <a:xfrm>
-            <a:off x="5833640" y="3136143"/>
-            <a:ext cx="6208887" cy="2840565"/>
+            <a:off x="5655260" y="3129435"/>
+            <a:ext cx="6472904" cy="2961353"/>
           </a:xfrm>
           <a:prstGeom prst="rect">
             <a:avLst/>
@@ -6371,10 +6616,10 @@
       </p:pic>
       <p:pic>
         <p:nvPicPr>
-          <p:cNvPr id="18" name="Picture 17">
+          <p:cNvPr id="33" name="Picture 32">
             <a:extLst>
               <a:ext uri="{FF2B5EF4-FFF2-40B4-BE49-F238E27FC236}">
-                <a16:creationId xmlns:a16="http://schemas.microsoft.com/office/drawing/2014/main" id="{2E465D32-A51E-44CE-9D04-60690BB4144F}"/>
+                <a16:creationId xmlns:a16="http://schemas.microsoft.com/office/drawing/2014/main" id="{D5A16967-5C32-4A48-9F02-4F0228AC8DBA}"/>
               </a:ext>
               <a:ext uri="{C183D7F6-B498-43B3-948B-1728B52AA6E4}">
                 <adec:decorative xmlns:adec="http://schemas.microsoft.com/office/drawing/2017/decorative" val="1"/>
@@ -6415,10 +6660,10 @@
       </p:pic>
       <p:cxnSp>
         <p:nvCxnSpPr>
-          <p:cNvPr id="20" name="Straight Connector 19">
+          <p:cNvPr id="35" name="Straight Connector 34">
             <a:extLst>
               <a:ext uri="{FF2B5EF4-FFF2-40B4-BE49-F238E27FC236}">
-                <a16:creationId xmlns:a16="http://schemas.microsoft.com/office/drawing/2014/main" id="{DAF243D8-8E9E-4B55-8369-B6A7221E55D8}"/>
+                <a16:creationId xmlns:a16="http://schemas.microsoft.com/office/drawing/2014/main" id="{942D078B-EF20-4DB1-AA1B-87F212C56A9A}"/>
               </a:ext>
               <a:ext uri="{C183D7F6-B498-43B3-948B-1728B52AA6E4}">
                 <adec:decorative xmlns:adec="http://schemas.microsoft.com/office/drawing/2017/decorative" val="1"/>
